--- a/in_class_slides/geog4300_W013-1 Clustering; Final project.pptx
+++ b/in_class_slides/geog4300_W013-1 Clustering; Final project.pptx
@@ -5,7 +5,7 @@
     <p:sldMasterId id="2147483660" r:id="rId1"/>
   </p:sldMasterIdLst>
   <p:notesMasterIdLst>
-    <p:notesMasterId r:id="rId12"/>
+    <p:notesMasterId r:id="rId16"/>
   </p:notesMasterIdLst>
   <p:sldIdLst>
     <p:sldId id="256" r:id="rId2"/>
@@ -18,6 +18,10 @@
     <p:sldId id="320" r:id="rId9"/>
     <p:sldId id="322" r:id="rId10"/>
     <p:sldId id="323" r:id="rId11"/>
+    <p:sldId id="324" r:id="rId12"/>
+    <p:sldId id="326" r:id="rId13"/>
+    <p:sldId id="327" r:id="rId14"/>
+    <p:sldId id="328" r:id="rId15"/>
   </p:sldIdLst>
   <p:sldSz cx="12192000" cy="6858000"/>
   <p:notesSz cx="6858000" cy="9144000"/>
@@ -206,7 +210,7 @@
           <a:p>
             <a:fld id="{F1C23026-85D4-48E8-9219-18000F688023}" type="datetimeFigureOut">
               <a:rPr lang="en-US" smtClean="0"/>
-              <a:t>11/10/2021</a:t>
+              <a:t>11/16/2021</a:t>
             </a:fld>
             <a:endParaRPr lang="en-US"/>
           </a:p>
@@ -665,7 +669,7 @@
 </p:notes>
 </file>
 
-<file path=ppt/notesSlides/notesSlide2.xml><?xml version="1.0" encoding="utf-8"?>
+<file path=ppt/notesSlides/notesSlide10.xml><?xml version="1.0" encoding="utf-8"?>
 <p:notes xmlns:a="http://schemas.openxmlformats.org/drawingml/2006/main" xmlns:r="http://schemas.openxmlformats.org/officeDocument/2006/relationships" xmlns:p="http://schemas.openxmlformats.org/presentationml/2006/main" showMasterSp="0" showMasterPhAnim="0">
   <p:cSld>
     <p:spTree>
@@ -830,7 +834,7 @@
                 <a:cs typeface="Calibri"/>
                 <a:sym typeface="Calibri"/>
               </a:rPr>
-              <a:t>3</a:t>
+              <a:t>11</a:t>
             </a:fld>
             <a:endParaRPr lang="en-US" sz="1200">
               <a:solidFill>
@@ -847,7 +851,7 @@
     </p:spTree>
     <p:extLst>
       <p:ext uri="{BB962C8B-B14F-4D97-AF65-F5344CB8AC3E}">
-        <p14:creationId xmlns:p14="http://schemas.microsoft.com/office/powerpoint/2010/main" val="2811722537"/>
+        <p14:creationId xmlns:p14="http://schemas.microsoft.com/office/powerpoint/2010/main" val="3547286465"/>
       </p:ext>
     </p:extLst>
   </p:cSld>
@@ -857,7 +861,7 @@
 </p:notes>
 </file>
 
-<file path=ppt/notesSlides/notesSlide3.xml><?xml version="1.0" encoding="utf-8"?>
+<file path=ppt/notesSlides/notesSlide11.xml><?xml version="1.0" encoding="utf-8"?>
 <p:notes xmlns:a="http://schemas.openxmlformats.org/drawingml/2006/main" xmlns:r="http://schemas.openxmlformats.org/officeDocument/2006/relationships" xmlns:p="http://schemas.openxmlformats.org/presentationml/2006/main" showMasterSp="0" showMasterPhAnim="0">
   <p:cSld>
     <p:spTree>
@@ -1022,7 +1026,7 @@
                 <a:cs typeface="Calibri"/>
                 <a:sym typeface="Calibri"/>
               </a:rPr>
-              <a:t>4</a:t>
+              <a:t>12</a:t>
             </a:fld>
             <a:endParaRPr lang="en-US" sz="1200">
               <a:solidFill>
@@ -1039,7 +1043,7 @@
     </p:spTree>
     <p:extLst>
       <p:ext uri="{BB962C8B-B14F-4D97-AF65-F5344CB8AC3E}">
-        <p14:creationId xmlns:p14="http://schemas.microsoft.com/office/powerpoint/2010/main" val="4145085403"/>
+        <p14:creationId xmlns:p14="http://schemas.microsoft.com/office/powerpoint/2010/main" val="2836946982"/>
       </p:ext>
     </p:extLst>
   </p:cSld>
@@ -1049,7 +1053,7 @@
 </p:notes>
 </file>
 
-<file path=ppt/notesSlides/notesSlide4.xml><?xml version="1.0" encoding="utf-8"?>
+<file path=ppt/notesSlides/notesSlide12.xml><?xml version="1.0" encoding="utf-8"?>
 <p:notes xmlns:a="http://schemas.openxmlformats.org/drawingml/2006/main" xmlns:r="http://schemas.openxmlformats.org/officeDocument/2006/relationships" xmlns:p="http://schemas.openxmlformats.org/presentationml/2006/main" showMasterSp="0" showMasterPhAnim="0">
   <p:cSld>
     <p:spTree>
@@ -1214,7 +1218,7 @@
                 <a:cs typeface="Calibri"/>
                 <a:sym typeface="Calibri"/>
               </a:rPr>
-              <a:t>5</a:t>
+              <a:t>13</a:t>
             </a:fld>
             <a:endParaRPr lang="en-US" sz="1200">
               <a:solidFill>
@@ -1231,7 +1235,7 @@
     </p:spTree>
     <p:extLst>
       <p:ext uri="{BB962C8B-B14F-4D97-AF65-F5344CB8AC3E}">
-        <p14:creationId xmlns:p14="http://schemas.microsoft.com/office/powerpoint/2010/main" val="2335835470"/>
+        <p14:creationId xmlns:p14="http://schemas.microsoft.com/office/powerpoint/2010/main" val="3147374355"/>
       </p:ext>
     </p:extLst>
   </p:cSld>
@@ -1241,7 +1245,7 @@
 </p:notes>
 </file>
 
-<file path=ppt/notesSlides/notesSlide5.xml><?xml version="1.0" encoding="utf-8"?>
+<file path=ppt/notesSlides/notesSlide13.xml><?xml version="1.0" encoding="utf-8"?>
 <p:notes xmlns:a="http://schemas.openxmlformats.org/drawingml/2006/main" xmlns:r="http://schemas.openxmlformats.org/officeDocument/2006/relationships" xmlns:p="http://schemas.openxmlformats.org/presentationml/2006/main" showMasterSp="0" showMasterPhAnim="0">
   <p:cSld>
     <p:spTree>
@@ -1406,7 +1410,7 @@
                 <a:cs typeface="Calibri"/>
                 <a:sym typeface="Calibri"/>
               </a:rPr>
-              <a:t>6</a:t>
+              <a:t>14</a:t>
             </a:fld>
             <a:endParaRPr lang="en-US" sz="1200">
               <a:solidFill>
@@ -1423,7 +1427,7 @@
     </p:spTree>
     <p:extLst>
       <p:ext uri="{BB962C8B-B14F-4D97-AF65-F5344CB8AC3E}">
-        <p14:creationId xmlns:p14="http://schemas.microsoft.com/office/powerpoint/2010/main" val="1758705729"/>
+        <p14:creationId xmlns:p14="http://schemas.microsoft.com/office/powerpoint/2010/main" val="3339977383"/>
       </p:ext>
     </p:extLst>
   </p:cSld>
@@ -1433,7 +1437,7 @@
 </p:notes>
 </file>
 
-<file path=ppt/notesSlides/notesSlide6.xml><?xml version="1.0" encoding="utf-8"?>
+<file path=ppt/notesSlides/notesSlide2.xml><?xml version="1.0" encoding="utf-8"?>
 <p:notes xmlns:a="http://schemas.openxmlformats.org/drawingml/2006/main" xmlns:r="http://schemas.openxmlformats.org/officeDocument/2006/relationships" xmlns:p="http://schemas.openxmlformats.org/presentationml/2006/main" showMasterSp="0" showMasterPhAnim="0">
   <p:cSld>
     <p:spTree>
@@ -1598,7 +1602,7 @@
                 <a:cs typeface="Calibri"/>
                 <a:sym typeface="Calibri"/>
               </a:rPr>
-              <a:t>7</a:t>
+              <a:t>3</a:t>
             </a:fld>
             <a:endParaRPr lang="en-US" sz="1200">
               <a:solidFill>
@@ -1615,7 +1619,7 @@
     </p:spTree>
     <p:extLst>
       <p:ext uri="{BB962C8B-B14F-4D97-AF65-F5344CB8AC3E}">
-        <p14:creationId xmlns:p14="http://schemas.microsoft.com/office/powerpoint/2010/main" val="2402529022"/>
+        <p14:creationId xmlns:p14="http://schemas.microsoft.com/office/powerpoint/2010/main" val="2811722537"/>
       </p:ext>
     </p:extLst>
   </p:cSld>
@@ -1625,7 +1629,7 @@
 </p:notes>
 </file>
 
-<file path=ppt/notesSlides/notesSlide7.xml><?xml version="1.0" encoding="utf-8"?>
+<file path=ppt/notesSlides/notesSlide3.xml><?xml version="1.0" encoding="utf-8"?>
 <p:notes xmlns:a="http://schemas.openxmlformats.org/drawingml/2006/main" xmlns:r="http://schemas.openxmlformats.org/officeDocument/2006/relationships" xmlns:p="http://schemas.openxmlformats.org/presentationml/2006/main" showMasterSp="0" showMasterPhAnim="0">
   <p:cSld>
     <p:spTree>
@@ -1790,7 +1794,7 @@
                 <a:cs typeface="Calibri"/>
                 <a:sym typeface="Calibri"/>
               </a:rPr>
-              <a:t>8</a:t>
+              <a:t>4</a:t>
             </a:fld>
             <a:endParaRPr lang="en-US" sz="1200">
               <a:solidFill>
@@ -1807,7 +1811,7 @@
     </p:spTree>
     <p:extLst>
       <p:ext uri="{BB962C8B-B14F-4D97-AF65-F5344CB8AC3E}">
-        <p14:creationId xmlns:p14="http://schemas.microsoft.com/office/powerpoint/2010/main" val="3566525944"/>
+        <p14:creationId xmlns:p14="http://schemas.microsoft.com/office/powerpoint/2010/main" val="4145085403"/>
       </p:ext>
     </p:extLst>
   </p:cSld>
@@ -1817,7 +1821,7 @@
 </p:notes>
 </file>
 
-<file path=ppt/notesSlides/notesSlide8.xml><?xml version="1.0" encoding="utf-8"?>
+<file path=ppt/notesSlides/notesSlide4.xml><?xml version="1.0" encoding="utf-8"?>
 <p:notes xmlns:a="http://schemas.openxmlformats.org/drawingml/2006/main" xmlns:r="http://schemas.openxmlformats.org/officeDocument/2006/relationships" xmlns:p="http://schemas.openxmlformats.org/presentationml/2006/main" showMasterSp="0" showMasterPhAnim="0">
   <p:cSld>
     <p:spTree>
@@ -1982,7 +1986,7 @@
                 <a:cs typeface="Calibri"/>
                 <a:sym typeface="Calibri"/>
               </a:rPr>
-              <a:t>9</a:t>
+              <a:t>5</a:t>
             </a:fld>
             <a:endParaRPr lang="en-US" sz="1200">
               <a:solidFill>
@@ -1999,7 +2003,7 @@
     </p:spTree>
     <p:extLst>
       <p:ext uri="{BB962C8B-B14F-4D97-AF65-F5344CB8AC3E}">
-        <p14:creationId xmlns:p14="http://schemas.microsoft.com/office/powerpoint/2010/main" val="1154257480"/>
+        <p14:creationId xmlns:p14="http://schemas.microsoft.com/office/powerpoint/2010/main" val="2335835470"/>
       </p:ext>
     </p:extLst>
   </p:cSld>
@@ -2009,7 +2013,7 @@
 </p:notes>
 </file>
 
-<file path=ppt/notesSlides/notesSlide9.xml><?xml version="1.0" encoding="utf-8"?>
+<file path=ppt/notesSlides/notesSlide5.xml><?xml version="1.0" encoding="utf-8"?>
 <p:notes xmlns:a="http://schemas.openxmlformats.org/drawingml/2006/main" xmlns:r="http://schemas.openxmlformats.org/officeDocument/2006/relationships" xmlns:p="http://schemas.openxmlformats.org/presentationml/2006/main" showMasterSp="0" showMasterPhAnim="0">
   <p:cSld>
     <p:spTree>
@@ -2174,6 +2178,774 @@
                 <a:cs typeface="Calibri"/>
                 <a:sym typeface="Calibri"/>
               </a:rPr>
+              <a:t>6</a:t>
+            </a:fld>
+            <a:endParaRPr lang="en-US" sz="1200">
+              <a:solidFill>
+                <a:schemeClr val="dk1"/>
+              </a:solidFill>
+              <a:latin typeface="Calibri"/>
+              <a:ea typeface="Calibri"/>
+              <a:cs typeface="Calibri"/>
+              <a:sym typeface="Calibri"/>
+            </a:endParaRPr>
+          </a:p>
+        </p:txBody>
+      </p:sp>
+    </p:spTree>
+    <p:extLst>
+      <p:ext uri="{BB962C8B-B14F-4D97-AF65-F5344CB8AC3E}">
+        <p14:creationId xmlns:p14="http://schemas.microsoft.com/office/powerpoint/2010/main" val="1758705729"/>
+      </p:ext>
+    </p:extLst>
+  </p:cSld>
+  <p:clrMapOvr>
+    <a:masterClrMapping/>
+  </p:clrMapOvr>
+</p:notes>
+</file>
+
+<file path=ppt/notesSlides/notesSlide6.xml><?xml version="1.0" encoding="utf-8"?>
+<p:notes xmlns:a="http://schemas.openxmlformats.org/drawingml/2006/main" xmlns:r="http://schemas.openxmlformats.org/officeDocument/2006/relationships" xmlns:p="http://schemas.openxmlformats.org/presentationml/2006/main" showMasterSp="0" showMasterPhAnim="0">
+  <p:cSld>
+    <p:spTree>
+      <p:nvGrpSpPr>
+        <p:cNvPr id="1" name="Shape 96"/>
+        <p:cNvGrpSpPr/>
+        <p:nvPr/>
+      </p:nvGrpSpPr>
+      <p:grpSpPr>
+        <a:xfrm>
+          <a:off x="0" y="0"/>
+          <a:ext cx="0" cy="0"/>
+          <a:chOff x="0" y="0"/>
+          <a:chExt cx="0" cy="0"/>
+        </a:xfrm>
+      </p:grpSpPr>
+      <p:sp>
+        <p:nvSpPr>
+          <p:cNvPr id="97" name="Shape 97"/>
+          <p:cNvSpPr>
+            <a:spLocks noGrp="1" noRot="1" noChangeAspect="1"/>
+          </p:cNvSpPr>
+          <p:nvPr>
+            <p:ph type="sldImg" idx="2"/>
+          </p:nvPr>
+        </p:nvSpPr>
+        <p:spPr>
+          <a:xfrm>
+            <a:off x="381000" y="685800"/>
+            <a:ext cx="6096000" cy="3429000"/>
+          </a:xfrm>
+          <a:custGeom>
+            <a:avLst/>
+            <a:gdLst/>
+            <a:ahLst/>
+            <a:cxnLst/>
+            <a:rect l="0" t="0" r="0" b="0"/>
+            <a:pathLst>
+              <a:path w="120000" h="120000" extrusionOk="0">
+                <a:moveTo>
+                  <a:pt x="0" y="0"/>
+                </a:moveTo>
+                <a:lnTo>
+                  <a:pt x="120000" y="0"/>
+                </a:lnTo>
+                <a:lnTo>
+                  <a:pt x="120000" y="120000"/>
+                </a:lnTo>
+                <a:lnTo>
+                  <a:pt x="0" y="120000"/>
+                </a:lnTo>
+                <a:close/>
+              </a:path>
+            </a:pathLst>
+          </a:custGeom>
+          <a:noFill/>
+          <a:ln w="12700" cap="flat" cmpd="sng">
+            <a:solidFill>
+              <a:srgbClr val="000000"/>
+            </a:solidFill>
+            <a:prstDash val="solid"/>
+            <a:round/>
+            <a:headEnd type="none" w="med" len="med"/>
+            <a:tailEnd type="none" w="med" len="med"/>
+          </a:ln>
+        </p:spPr>
+      </p:sp>
+      <p:sp>
+        <p:nvSpPr>
+          <p:cNvPr id="98" name="Shape 98"/>
+          <p:cNvSpPr txBox="1">
+            <a:spLocks noGrp="1"/>
+          </p:cNvSpPr>
+          <p:nvPr>
+            <p:ph type="body" idx="1"/>
+          </p:nvPr>
+        </p:nvSpPr>
+        <p:spPr>
+          <a:xfrm>
+            <a:off x="685800" y="4343400"/>
+            <a:ext cx="5486399" cy="4114800"/>
+          </a:xfrm>
+          <a:prstGeom prst="rect">
+            <a:avLst/>
+          </a:prstGeom>
+          <a:noFill/>
+          <a:ln>
+            <a:noFill/>
+          </a:ln>
+        </p:spPr>
+        <p:txBody>
+          <a:bodyPr lIns="91425" tIns="45700" rIns="91425" bIns="45700" anchor="t" anchorCtr="0">
+            <a:noAutofit/>
+          </a:bodyPr>
+          <a:lstStyle/>
+          <a:p>
+            <a:pPr marL="0" marR="0" lvl="0" indent="0" algn="l" rtl="0">
+              <a:spcBef>
+                <a:spcPts val="0"/>
+              </a:spcBef>
+              <a:buSzPct val="25000"/>
+              <a:buNone/>
+            </a:pPr>
+            <a:r>
+              <a:rPr lang="en-US" sz="1200" b="0" i="0" u="none" strike="noStrike" cap="none">
+                <a:solidFill>
+                  <a:schemeClr val="dk1"/>
+                </a:solidFill>
+                <a:latin typeface="Calibri"/>
+                <a:ea typeface="Calibri"/>
+                <a:cs typeface="Calibri"/>
+                <a:sym typeface="Calibri"/>
+              </a:rPr>
+              <a:t>Alternative hypothesis is usually what you’re trying to prove.</a:t>
+            </a:r>
+          </a:p>
+        </p:txBody>
+      </p:sp>
+      <p:sp>
+        <p:nvSpPr>
+          <p:cNvPr id="99" name="Shape 99"/>
+          <p:cNvSpPr txBox="1">
+            <a:spLocks noGrp="1"/>
+          </p:cNvSpPr>
+          <p:nvPr>
+            <p:ph type="sldNum" idx="12"/>
+          </p:nvPr>
+        </p:nvSpPr>
+        <p:spPr>
+          <a:xfrm>
+            <a:off x="3884612" y="8685213"/>
+            <a:ext cx="2971799" cy="457200"/>
+          </a:xfrm>
+          <a:prstGeom prst="rect">
+            <a:avLst/>
+          </a:prstGeom>
+          <a:noFill/>
+          <a:ln>
+            <a:noFill/>
+          </a:ln>
+        </p:spPr>
+        <p:txBody>
+          <a:bodyPr lIns="91425" tIns="45700" rIns="91425" bIns="45700" anchor="b" anchorCtr="0">
+            <a:noAutofit/>
+          </a:bodyPr>
+          <a:lstStyle/>
+          <a:p>
+            <a:pPr marL="0" marR="0" lvl="0" indent="0" algn="r" rtl="0">
+              <a:spcBef>
+                <a:spcPts val="0"/>
+              </a:spcBef>
+              <a:buSzPct val="25000"/>
+              <a:buNone/>
+            </a:pPr>
+            <a:fld id="{00000000-1234-1234-1234-123412341234}" type="slidenum">
+              <a:rPr lang="en-US" sz="1200">
+                <a:solidFill>
+                  <a:schemeClr val="dk1"/>
+                </a:solidFill>
+                <a:latin typeface="Calibri"/>
+                <a:ea typeface="Calibri"/>
+                <a:cs typeface="Calibri"/>
+                <a:sym typeface="Calibri"/>
+              </a:rPr>
+              <a:t>7</a:t>
+            </a:fld>
+            <a:endParaRPr lang="en-US" sz="1200">
+              <a:solidFill>
+                <a:schemeClr val="dk1"/>
+              </a:solidFill>
+              <a:latin typeface="Calibri"/>
+              <a:ea typeface="Calibri"/>
+              <a:cs typeface="Calibri"/>
+              <a:sym typeface="Calibri"/>
+            </a:endParaRPr>
+          </a:p>
+        </p:txBody>
+      </p:sp>
+    </p:spTree>
+    <p:extLst>
+      <p:ext uri="{BB962C8B-B14F-4D97-AF65-F5344CB8AC3E}">
+        <p14:creationId xmlns:p14="http://schemas.microsoft.com/office/powerpoint/2010/main" val="2402529022"/>
+      </p:ext>
+    </p:extLst>
+  </p:cSld>
+  <p:clrMapOvr>
+    <a:masterClrMapping/>
+  </p:clrMapOvr>
+</p:notes>
+</file>
+
+<file path=ppt/notesSlides/notesSlide7.xml><?xml version="1.0" encoding="utf-8"?>
+<p:notes xmlns:a="http://schemas.openxmlformats.org/drawingml/2006/main" xmlns:r="http://schemas.openxmlformats.org/officeDocument/2006/relationships" xmlns:p="http://schemas.openxmlformats.org/presentationml/2006/main" showMasterSp="0" showMasterPhAnim="0">
+  <p:cSld>
+    <p:spTree>
+      <p:nvGrpSpPr>
+        <p:cNvPr id="1" name="Shape 96"/>
+        <p:cNvGrpSpPr/>
+        <p:nvPr/>
+      </p:nvGrpSpPr>
+      <p:grpSpPr>
+        <a:xfrm>
+          <a:off x="0" y="0"/>
+          <a:ext cx="0" cy="0"/>
+          <a:chOff x="0" y="0"/>
+          <a:chExt cx="0" cy="0"/>
+        </a:xfrm>
+      </p:grpSpPr>
+      <p:sp>
+        <p:nvSpPr>
+          <p:cNvPr id="97" name="Shape 97"/>
+          <p:cNvSpPr>
+            <a:spLocks noGrp="1" noRot="1" noChangeAspect="1"/>
+          </p:cNvSpPr>
+          <p:nvPr>
+            <p:ph type="sldImg" idx="2"/>
+          </p:nvPr>
+        </p:nvSpPr>
+        <p:spPr>
+          <a:xfrm>
+            <a:off x="381000" y="685800"/>
+            <a:ext cx="6096000" cy="3429000"/>
+          </a:xfrm>
+          <a:custGeom>
+            <a:avLst/>
+            <a:gdLst/>
+            <a:ahLst/>
+            <a:cxnLst/>
+            <a:rect l="0" t="0" r="0" b="0"/>
+            <a:pathLst>
+              <a:path w="120000" h="120000" extrusionOk="0">
+                <a:moveTo>
+                  <a:pt x="0" y="0"/>
+                </a:moveTo>
+                <a:lnTo>
+                  <a:pt x="120000" y="0"/>
+                </a:lnTo>
+                <a:lnTo>
+                  <a:pt x="120000" y="120000"/>
+                </a:lnTo>
+                <a:lnTo>
+                  <a:pt x="0" y="120000"/>
+                </a:lnTo>
+                <a:close/>
+              </a:path>
+            </a:pathLst>
+          </a:custGeom>
+          <a:noFill/>
+          <a:ln w="12700" cap="flat" cmpd="sng">
+            <a:solidFill>
+              <a:srgbClr val="000000"/>
+            </a:solidFill>
+            <a:prstDash val="solid"/>
+            <a:round/>
+            <a:headEnd type="none" w="med" len="med"/>
+            <a:tailEnd type="none" w="med" len="med"/>
+          </a:ln>
+        </p:spPr>
+      </p:sp>
+      <p:sp>
+        <p:nvSpPr>
+          <p:cNvPr id="98" name="Shape 98"/>
+          <p:cNvSpPr txBox="1">
+            <a:spLocks noGrp="1"/>
+          </p:cNvSpPr>
+          <p:nvPr>
+            <p:ph type="body" idx="1"/>
+          </p:nvPr>
+        </p:nvSpPr>
+        <p:spPr>
+          <a:xfrm>
+            <a:off x="685800" y="4343400"/>
+            <a:ext cx="5486399" cy="4114800"/>
+          </a:xfrm>
+          <a:prstGeom prst="rect">
+            <a:avLst/>
+          </a:prstGeom>
+          <a:noFill/>
+          <a:ln>
+            <a:noFill/>
+          </a:ln>
+        </p:spPr>
+        <p:txBody>
+          <a:bodyPr lIns="91425" tIns="45700" rIns="91425" bIns="45700" anchor="t" anchorCtr="0">
+            <a:noAutofit/>
+          </a:bodyPr>
+          <a:lstStyle/>
+          <a:p>
+            <a:pPr marL="0" marR="0" lvl="0" indent="0" algn="l" rtl="0">
+              <a:spcBef>
+                <a:spcPts val="0"/>
+              </a:spcBef>
+              <a:buSzPct val="25000"/>
+              <a:buNone/>
+            </a:pPr>
+            <a:r>
+              <a:rPr lang="en-US" sz="1200" b="0" i="0" u="none" strike="noStrike" cap="none">
+                <a:solidFill>
+                  <a:schemeClr val="dk1"/>
+                </a:solidFill>
+                <a:latin typeface="Calibri"/>
+                <a:ea typeface="Calibri"/>
+                <a:cs typeface="Calibri"/>
+                <a:sym typeface="Calibri"/>
+              </a:rPr>
+              <a:t>Alternative hypothesis is usually what you’re trying to prove.</a:t>
+            </a:r>
+          </a:p>
+        </p:txBody>
+      </p:sp>
+      <p:sp>
+        <p:nvSpPr>
+          <p:cNvPr id="99" name="Shape 99"/>
+          <p:cNvSpPr txBox="1">
+            <a:spLocks noGrp="1"/>
+          </p:cNvSpPr>
+          <p:nvPr>
+            <p:ph type="sldNum" idx="12"/>
+          </p:nvPr>
+        </p:nvSpPr>
+        <p:spPr>
+          <a:xfrm>
+            <a:off x="3884612" y="8685213"/>
+            <a:ext cx="2971799" cy="457200"/>
+          </a:xfrm>
+          <a:prstGeom prst="rect">
+            <a:avLst/>
+          </a:prstGeom>
+          <a:noFill/>
+          <a:ln>
+            <a:noFill/>
+          </a:ln>
+        </p:spPr>
+        <p:txBody>
+          <a:bodyPr lIns="91425" tIns="45700" rIns="91425" bIns="45700" anchor="b" anchorCtr="0">
+            <a:noAutofit/>
+          </a:bodyPr>
+          <a:lstStyle/>
+          <a:p>
+            <a:pPr marL="0" marR="0" lvl="0" indent="0" algn="r" rtl="0">
+              <a:spcBef>
+                <a:spcPts val="0"/>
+              </a:spcBef>
+              <a:buSzPct val="25000"/>
+              <a:buNone/>
+            </a:pPr>
+            <a:fld id="{00000000-1234-1234-1234-123412341234}" type="slidenum">
+              <a:rPr lang="en-US" sz="1200">
+                <a:solidFill>
+                  <a:schemeClr val="dk1"/>
+                </a:solidFill>
+                <a:latin typeface="Calibri"/>
+                <a:ea typeface="Calibri"/>
+                <a:cs typeface="Calibri"/>
+                <a:sym typeface="Calibri"/>
+              </a:rPr>
+              <a:t>8</a:t>
+            </a:fld>
+            <a:endParaRPr lang="en-US" sz="1200">
+              <a:solidFill>
+                <a:schemeClr val="dk1"/>
+              </a:solidFill>
+              <a:latin typeface="Calibri"/>
+              <a:ea typeface="Calibri"/>
+              <a:cs typeface="Calibri"/>
+              <a:sym typeface="Calibri"/>
+            </a:endParaRPr>
+          </a:p>
+        </p:txBody>
+      </p:sp>
+    </p:spTree>
+    <p:extLst>
+      <p:ext uri="{BB962C8B-B14F-4D97-AF65-F5344CB8AC3E}">
+        <p14:creationId xmlns:p14="http://schemas.microsoft.com/office/powerpoint/2010/main" val="3566525944"/>
+      </p:ext>
+    </p:extLst>
+  </p:cSld>
+  <p:clrMapOvr>
+    <a:masterClrMapping/>
+  </p:clrMapOvr>
+</p:notes>
+</file>
+
+<file path=ppt/notesSlides/notesSlide8.xml><?xml version="1.0" encoding="utf-8"?>
+<p:notes xmlns:a="http://schemas.openxmlformats.org/drawingml/2006/main" xmlns:r="http://schemas.openxmlformats.org/officeDocument/2006/relationships" xmlns:p="http://schemas.openxmlformats.org/presentationml/2006/main" showMasterSp="0" showMasterPhAnim="0">
+  <p:cSld>
+    <p:spTree>
+      <p:nvGrpSpPr>
+        <p:cNvPr id="1" name="Shape 96"/>
+        <p:cNvGrpSpPr/>
+        <p:nvPr/>
+      </p:nvGrpSpPr>
+      <p:grpSpPr>
+        <a:xfrm>
+          <a:off x="0" y="0"/>
+          <a:ext cx="0" cy="0"/>
+          <a:chOff x="0" y="0"/>
+          <a:chExt cx="0" cy="0"/>
+        </a:xfrm>
+      </p:grpSpPr>
+      <p:sp>
+        <p:nvSpPr>
+          <p:cNvPr id="97" name="Shape 97"/>
+          <p:cNvSpPr>
+            <a:spLocks noGrp="1" noRot="1" noChangeAspect="1"/>
+          </p:cNvSpPr>
+          <p:nvPr>
+            <p:ph type="sldImg" idx="2"/>
+          </p:nvPr>
+        </p:nvSpPr>
+        <p:spPr>
+          <a:xfrm>
+            <a:off x="381000" y="685800"/>
+            <a:ext cx="6096000" cy="3429000"/>
+          </a:xfrm>
+          <a:custGeom>
+            <a:avLst/>
+            <a:gdLst/>
+            <a:ahLst/>
+            <a:cxnLst/>
+            <a:rect l="0" t="0" r="0" b="0"/>
+            <a:pathLst>
+              <a:path w="120000" h="120000" extrusionOk="0">
+                <a:moveTo>
+                  <a:pt x="0" y="0"/>
+                </a:moveTo>
+                <a:lnTo>
+                  <a:pt x="120000" y="0"/>
+                </a:lnTo>
+                <a:lnTo>
+                  <a:pt x="120000" y="120000"/>
+                </a:lnTo>
+                <a:lnTo>
+                  <a:pt x="0" y="120000"/>
+                </a:lnTo>
+                <a:close/>
+              </a:path>
+            </a:pathLst>
+          </a:custGeom>
+          <a:noFill/>
+          <a:ln w="12700" cap="flat" cmpd="sng">
+            <a:solidFill>
+              <a:srgbClr val="000000"/>
+            </a:solidFill>
+            <a:prstDash val="solid"/>
+            <a:round/>
+            <a:headEnd type="none" w="med" len="med"/>
+            <a:tailEnd type="none" w="med" len="med"/>
+          </a:ln>
+        </p:spPr>
+      </p:sp>
+      <p:sp>
+        <p:nvSpPr>
+          <p:cNvPr id="98" name="Shape 98"/>
+          <p:cNvSpPr txBox="1">
+            <a:spLocks noGrp="1"/>
+          </p:cNvSpPr>
+          <p:nvPr>
+            <p:ph type="body" idx="1"/>
+          </p:nvPr>
+        </p:nvSpPr>
+        <p:spPr>
+          <a:xfrm>
+            <a:off x="685800" y="4343400"/>
+            <a:ext cx="5486399" cy="4114800"/>
+          </a:xfrm>
+          <a:prstGeom prst="rect">
+            <a:avLst/>
+          </a:prstGeom>
+          <a:noFill/>
+          <a:ln>
+            <a:noFill/>
+          </a:ln>
+        </p:spPr>
+        <p:txBody>
+          <a:bodyPr lIns="91425" tIns="45700" rIns="91425" bIns="45700" anchor="t" anchorCtr="0">
+            <a:noAutofit/>
+          </a:bodyPr>
+          <a:lstStyle/>
+          <a:p>
+            <a:pPr marL="0" marR="0" lvl="0" indent="0" algn="l" rtl="0">
+              <a:spcBef>
+                <a:spcPts val="0"/>
+              </a:spcBef>
+              <a:buSzPct val="25000"/>
+              <a:buNone/>
+            </a:pPr>
+            <a:r>
+              <a:rPr lang="en-US" sz="1200" b="0" i="0" u="none" strike="noStrike" cap="none">
+                <a:solidFill>
+                  <a:schemeClr val="dk1"/>
+                </a:solidFill>
+                <a:latin typeface="Calibri"/>
+                <a:ea typeface="Calibri"/>
+                <a:cs typeface="Calibri"/>
+                <a:sym typeface="Calibri"/>
+              </a:rPr>
+              <a:t>Alternative hypothesis is usually what you’re trying to prove.</a:t>
+            </a:r>
+          </a:p>
+        </p:txBody>
+      </p:sp>
+      <p:sp>
+        <p:nvSpPr>
+          <p:cNvPr id="99" name="Shape 99"/>
+          <p:cNvSpPr txBox="1">
+            <a:spLocks noGrp="1"/>
+          </p:cNvSpPr>
+          <p:nvPr>
+            <p:ph type="sldNum" idx="12"/>
+          </p:nvPr>
+        </p:nvSpPr>
+        <p:spPr>
+          <a:xfrm>
+            <a:off x="3884612" y="8685213"/>
+            <a:ext cx="2971799" cy="457200"/>
+          </a:xfrm>
+          <a:prstGeom prst="rect">
+            <a:avLst/>
+          </a:prstGeom>
+          <a:noFill/>
+          <a:ln>
+            <a:noFill/>
+          </a:ln>
+        </p:spPr>
+        <p:txBody>
+          <a:bodyPr lIns="91425" tIns="45700" rIns="91425" bIns="45700" anchor="b" anchorCtr="0">
+            <a:noAutofit/>
+          </a:bodyPr>
+          <a:lstStyle/>
+          <a:p>
+            <a:pPr marL="0" marR="0" lvl="0" indent="0" algn="r" rtl="0">
+              <a:spcBef>
+                <a:spcPts val="0"/>
+              </a:spcBef>
+              <a:buSzPct val="25000"/>
+              <a:buNone/>
+            </a:pPr>
+            <a:fld id="{00000000-1234-1234-1234-123412341234}" type="slidenum">
+              <a:rPr lang="en-US" sz="1200">
+                <a:solidFill>
+                  <a:schemeClr val="dk1"/>
+                </a:solidFill>
+                <a:latin typeface="Calibri"/>
+                <a:ea typeface="Calibri"/>
+                <a:cs typeface="Calibri"/>
+                <a:sym typeface="Calibri"/>
+              </a:rPr>
+              <a:t>9</a:t>
+            </a:fld>
+            <a:endParaRPr lang="en-US" sz="1200">
+              <a:solidFill>
+                <a:schemeClr val="dk1"/>
+              </a:solidFill>
+              <a:latin typeface="Calibri"/>
+              <a:ea typeface="Calibri"/>
+              <a:cs typeface="Calibri"/>
+              <a:sym typeface="Calibri"/>
+            </a:endParaRPr>
+          </a:p>
+        </p:txBody>
+      </p:sp>
+    </p:spTree>
+    <p:extLst>
+      <p:ext uri="{BB962C8B-B14F-4D97-AF65-F5344CB8AC3E}">
+        <p14:creationId xmlns:p14="http://schemas.microsoft.com/office/powerpoint/2010/main" val="1154257480"/>
+      </p:ext>
+    </p:extLst>
+  </p:cSld>
+  <p:clrMapOvr>
+    <a:masterClrMapping/>
+  </p:clrMapOvr>
+</p:notes>
+</file>
+
+<file path=ppt/notesSlides/notesSlide9.xml><?xml version="1.0" encoding="utf-8"?>
+<p:notes xmlns:a="http://schemas.openxmlformats.org/drawingml/2006/main" xmlns:r="http://schemas.openxmlformats.org/officeDocument/2006/relationships" xmlns:p="http://schemas.openxmlformats.org/presentationml/2006/main" showMasterSp="0" showMasterPhAnim="0">
+  <p:cSld>
+    <p:spTree>
+      <p:nvGrpSpPr>
+        <p:cNvPr id="1" name="Shape 96"/>
+        <p:cNvGrpSpPr/>
+        <p:nvPr/>
+      </p:nvGrpSpPr>
+      <p:grpSpPr>
+        <a:xfrm>
+          <a:off x="0" y="0"/>
+          <a:ext cx="0" cy="0"/>
+          <a:chOff x="0" y="0"/>
+          <a:chExt cx="0" cy="0"/>
+        </a:xfrm>
+      </p:grpSpPr>
+      <p:sp>
+        <p:nvSpPr>
+          <p:cNvPr id="97" name="Shape 97"/>
+          <p:cNvSpPr>
+            <a:spLocks noGrp="1" noRot="1" noChangeAspect="1"/>
+          </p:cNvSpPr>
+          <p:nvPr>
+            <p:ph type="sldImg" idx="2"/>
+          </p:nvPr>
+        </p:nvSpPr>
+        <p:spPr>
+          <a:xfrm>
+            <a:off x="381000" y="685800"/>
+            <a:ext cx="6096000" cy="3429000"/>
+          </a:xfrm>
+          <a:custGeom>
+            <a:avLst/>
+            <a:gdLst/>
+            <a:ahLst/>
+            <a:cxnLst/>
+            <a:rect l="0" t="0" r="0" b="0"/>
+            <a:pathLst>
+              <a:path w="120000" h="120000" extrusionOk="0">
+                <a:moveTo>
+                  <a:pt x="0" y="0"/>
+                </a:moveTo>
+                <a:lnTo>
+                  <a:pt x="120000" y="0"/>
+                </a:lnTo>
+                <a:lnTo>
+                  <a:pt x="120000" y="120000"/>
+                </a:lnTo>
+                <a:lnTo>
+                  <a:pt x="0" y="120000"/>
+                </a:lnTo>
+                <a:close/>
+              </a:path>
+            </a:pathLst>
+          </a:custGeom>
+          <a:noFill/>
+          <a:ln w="12700" cap="flat" cmpd="sng">
+            <a:solidFill>
+              <a:srgbClr val="000000"/>
+            </a:solidFill>
+            <a:prstDash val="solid"/>
+            <a:round/>
+            <a:headEnd type="none" w="med" len="med"/>
+            <a:tailEnd type="none" w="med" len="med"/>
+          </a:ln>
+        </p:spPr>
+      </p:sp>
+      <p:sp>
+        <p:nvSpPr>
+          <p:cNvPr id="98" name="Shape 98"/>
+          <p:cNvSpPr txBox="1">
+            <a:spLocks noGrp="1"/>
+          </p:cNvSpPr>
+          <p:nvPr>
+            <p:ph type="body" idx="1"/>
+          </p:nvPr>
+        </p:nvSpPr>
+        <p:spPr>
+          <a:xfrm>
+            <a:off x="685800" y="4343400"/>
+            <a:ext cx="5486399" cy="4114800"/>
+          </a:xfrm>
+          <a:prstGeom prst="rect">
+            <a:avLst/>
+          </a:prstGeom>
+          <a:noFill/>
+          <a:ln>
+            <a:noFill/>
+          </a:ln>
+        </p:spPr>
+        <p:txBody>
+          <a:bodyPr lIns="91425" tIns="45700" rIns="91425" bIns="45700" anchor="t" anchorCtr="0">
+            <a:noAutofit/>
+          </a:bodyPr>
+          <a:lstStyle/>
+          <a:p>
+            <a:pPr marL="0" marR="0" lvl="0" indent="0" algn="l" rtl="0">
+              <a:spcBef>
+                <a:spcPts val="0"/>
+              </a:spcBef>
+              <a:buSzPct val="25000"/>
+              <a:buNone/>
+            </a:pPr>
+            <a:r>
+              <a:rPr lang="en-US" sz="1200" b="0" i="0" u="none" strike="noStrike" cap="none">
+                <a:solidFill>
+                  <a:schemeClr val="dk1"/>
+                </a:solidFill>
+                <a:latin typeface="Calibri"/>
+                <a:ea typeface="Calibri"/>
+                <a:cs typeface="Calibri"/>
+                <a:sym typeface="Calibri"/>
+              </a:rPr>
+              <a:t>Alternative hypothesis is usually what you’re trying to prove.</a:t>
+            </a:r>
+          </a:p>
+        </p:txBody>
+      </p:sp>
+      <p:sp>
+        <p:nvSpPr>
+          <p:cNvPr id="99" name="Shape 99"/>
+          <p:cNvSpPr txBox="1">
+            <a:spLocks noGrp="1"/>
+          </p:cNvSpPr>
+          <p:nvPr>
+            <p:ph type="sldNum" idx="12"/>
+          </p:nvPr>
+        </p:nvSpPr>
+        <p:spPr>
+          <a:xfrm>
+            <a:off x="3884612" y="8685213"/>
+            <a:ext cx="2971799" cy="457200"/>
+          </a:xfrm>
+          <a:prstGeom prst="rect">
+            <a:avLst/>
+          </a:prstGeom>
+          <a:noFill/>
+          <a:ln>
+            <a:noFill/>
+          </a:ln>
+        </p:spPr>
+        <p:txBody>
+          <a:bodyPr lIns="91425" tIns="45700" rIns="91425" bIns="45700" anchor="b" anchorCtr="0">
+            <a:noAutofit/>
+          </a:bodyPr>
+          <a:lstStyle/>
+          <a:p>
+            <a:pPr marL="0" marR="0" lvl="0" indent="0" algn="r" rtl="0">
+              <a:spcBef>
+                <a:spcPts val="0"/>
+              </a:spcBef>
+              <a:buSzPct val="25000"/>
+              <a:buNone/>
+            </a:pPr>
+            <a:fld id="{00000000-1234-1234-1234-123412341234}" type="slidenum">
+              <a:rPr lang="en-US" sz="1200">
+                <a:solidFill>
+                  <a:schemeClr val="dk1"/>
+                </a:solidFill>
+                <a:latin typeface="Calibri"/>
+                <a:ea typeface="Calibri"/>
+                <a:cs typeface="Calibri"/>
+                <a:sym typeface="Calibri"/>
+              </a:rPr>
               <a:t>10</a:t>
             </a:fld>
             <a:endParaRPr lang="en-US" sz="1200">
@@ -2386,7 +3158,7 @@
           <a:p>
             <a:fld id="{93C8B963-0F36-48FC-991E-AA63861DA924}" type="datetimeFigureOut">
               <a:rPr lang="en-US" smtClean="0"/>
-              <a:t>11/10/2021</a:t>
+              <a:t>11/16/2021</a:t>
             </a:fld>
             <a:endParaRPr lang="en-US"/>
           </a:p>
@@ -2684,7 +3456,7 @@
           <a:p>
             <a:fld id="{93C8B963-0F36-48FC-991E-AA63861DA924}" type="datetimeFigureOut">
               <a:rPr lang="en-US" smtClean="0"/>
-              <a:t>11/10/2021</a:t>
+              <a:t>11/16/2021</a:t>
             </a:fld>
             <a:endParaRPr lang="en-US"/>
           </a:p>
@@ -2876,7 +3648,7 @@
           <a:p>
             <a:fld id="{93C8B963-0F36-48FC-991E-AA63861DA924}" type="datetimeFigureOut">
               <a:rPr lang="en-US" smtClean="0"/>
-              <a:t>11/10/2021</a:t>
+              <a:t>11/16/2021</a:t>
             </a:fld>
             <a:endParaRPr lang="en-US"/>
           </a:p>
@@ -3137,7 +3909,7 @@
           <a:p>
             <a:fld id="{93C8B963-0F36-48FC-991E-AA63861DA924}" type="datetimeFigureOut">
               <a:rPr lang="en-US" smtClean="0"/>
-              <a:t>11/10/2021</a:t>
+              <a:t>11/16/2021</a:t>
             </a:fld>
             <a:endParaRPr lang="en-US"/>
           </a:p>
@@ -3561,7 +4333,7 @@
           <a:p>
             <a:fld id="{93C8B963-0F36-48FC-991E-AA63861DA924}" type="datetimeFigureOut">
               <a:rPr lang="en-US" smtClean="0"/>
-              <a:t>11/10/2021</a:t>
+              <a:t>11/16/2021</a:t>
             </a:fld>
             <a:endParaRPr lang="en-US"/>
           </a:p>
@@ -4098,7 +4870,7 @@
           <a:p>
             <a:fld id="{93C8B963-0F36-48FC-991E-AA63861DA924}" type="datetimeFigureOut">
               <a:rPr lang="en-US" smtClean="0"/>
-              <a:t>11/10/2021</a:t>
+              <a:t>11/16/2021</a:t>
             </a:fld>
             <a:endParaRPr lang="en-US"/>
           </a:p>
@@ -4962,7 +5734,7 @@
           <a:p>
             <a:fld id="{93C8B963-0F36-48FC-991E-AA63861DA924}" type="datetimeFigureOut">
               <a:rPr lang="en-US" smtClean="0"/>
-              <a:t>11/10/2021</a:t>
+              <a:t>11/16/2021</a:t>
             </a:fld>
             <a:endParaRPr lang="en-US"/>
           </a:p>
@@ -5132,7 +5904,7 @@
           <a:p>
             <a:fld id="{93C8B963-0F36-48FC-991E-AA63861DA924}" type="datetimeFigureOut">
               <a:rPr lang="en-US" smtClean="0"/>
-              <a:t>11/10/2021</a:t>
+              <a:t>11/16/2021</a:t>
             </a:fld>
             <a:endParaRPr lang="en-US"/>
           </a:p>
@@ -5316,7 +6088,7 @@
           <a:p>
             <a:fld id="{93C8B963-0F36-48FC-991E-AA63861DA924}" type="datetimeFigureOut">
               <a:rPr lang="en-US" smtClean="0"/>
-              <a:t>11/10/2021</a:t>
+              <a:t>11/16/2021</a:t>
             </a:fld>
             <a:endParaRPr lang="en-US"/>
           </a:p>
@@ -5486,7 +6258,7 @@
           <a:p>
             <a:fld id="{93C8B963-0F36-48FC-991E-AA63861DA924}" type="datetimeFigureOut">
               <a:rPr lang="en-US" smtClean="0"/>
-              <a:t>11/10/2021</a:t>
+              <a:t>11/16/2021</a:t>
             </a:fld>
             <a:endParaRPr lang="en-US"/>
           </a:p>
@@ -5730,7 +6502,7 @@
           <a:p>
             <a:fld id="{93C8B963-0F36-48FC-991E-AA63861DA924}" type="datetimeFigureOut">
               <a:rPr lang="en-US" smtClean="0"/>
-              <a:t>11/10/2021</a:t>
+              <a:t>11/16/2021</a:t>
             </a:fld>
             <a:endParaRPr lang="en-US"/>
           </a:p>
@@ -5966,7 +6738,7 @@
           <a:p>
             <a:fld id="{93C8B963-0F36-48FC-991E-AA63861DA924}" type="datetimeFigureOut">
               <a:rPr lang="en-US" smtClean="0"/>
-              <a:t>11/10/2021</a:t>
+              <a:t>11/16/2021</a:t>
             </a:fld>
             <a:endParaRPr lang="en-US"/>
           </a:p>
@@ -6432,7 +7204,7 @@
           <a:p>
             <a:fld id="{93C8B963-0F36-48FC-991E-AA63861DA924}" type="datetimeFigureOut">
               <a:rPr lang="en-US" smtClean="0"/>
-              <a:t>11/10/2021</a:t>
+              <a:t>11/16/2021</a:t>
             </a:fld>
             <a:endParaRPr lang="en-US"/>
           </a:p>
@@ -6550,7 +7322,7 @@
           <a:p>
             <a:fld id="{93C8B963-0F36-48FC-991E-AA63861DA924}" type="datetimeFigureOut">
               <a:rPr lang="en-US" smtClean="0"/>
-              <a:t>11/10/2021</a:t>
+              <a:t>11/16/2021</a:t>
             </a:fld>
             <a:endParaRPr lang="en-US"/>
           </a:p>
@@ -6645,7 +7417,7 @@
           <a:p>
             <a:fld id="{93C8B963-0F36-48FC-991E-AA63861DA924}" type="datetimeFigureOut">
               <a:rPr lang="en-US" smtClean="0"/>
-              <a:t>11/10/2021</a:t>
+              <a:t>11/16/2021</a:t>
             </a:fld>
             <a:endParaRPr lang="en-US"/>
           </a:p>
@@ -6900,7 +7672,7 @@
           <a:p>
             <a:fld id="{93C8B963-0F36-48FC-991E-AA63861DA924}" type="datetimeFigureOut">
               <a:rPr lang="en-US" smtClean="0"/>
-              <a:t>11/10/2021</a:t>
+              <a:t>11/16/2021</a:t>
             </a:fld>
             <a:endParaRPr lang="en-US"/>
           </a:p>
@@ -7200,7 +7972,7 @@
           <a:p>
             <a:fld id="{93C8B963-0F36-48FC-991E-AA63861DA924}" type="datetimeFigureOut">
               <a:rPr lang="en-US" smtClean="0"/>
-              <a:t>11/10/2021</a:t>
+              <a:t>11/16/2021</a:t>
             </a:fld>
             <a:endParaRPr lang="en-US"/>
           </a:p>
@@ -7434,7 +8206,7 @@
           <a:p>
             <a:fld id="{93C8B963-0F36-48FC-991E-AA63861DA924}" type="datetimeFigureOut">
               <a:rPr lang="en-US" smtClean="0"/>
-              <a:t>11/10/2021</a:t>
+              <a:t>11/16/2021</a:t>
             </a:fld>
             <a:endParaRPr lang="en-US"/>
           </a:p>
@@ -8524,6 +9296,715 @@
 </p:sld>
 </file>
 
+<file path=ppt/slides/slide11.xml><?xml version="1.0" encoding="utf-8"?>
+<p:sld xmlns:a="http://schemas.openxmlformats.org/drawingml/2006/main" xmlns:r="http://schemas.openxmlformats.org/officeDocument/2006/relationships" xmlns:p="http://schemas.openxmlformats.org/presentationml/2006/main">
+  <p:cSld>
+    <p:spTree>
+      <p:nvGrpSpPr>
+        <p:cNvPr id="1" name="Shape 100"/>
+        <p:cNvGrpSpPr/>
+        <p:nvPr/>
+      </p:nvGrpSpPr>
+      <p:grpSpPr>
+        <a:xfrm>
+          <a:off x="0" y="0"/>
+          <a:ext cx="0" cy="0"/>
+          <a:chOff x="0" y="0"/>
+          <a:chExt cx="0" cy="0"/>
+        </a:xfrm>
+      </p:grpSpPr>
+      <p:sp>
+        <p:nvSpPr>
+          <p:cNvPr id="6" name="Shape 101">
+            <a:extLst>
+              <a:ext uri="{FF2B5EF4-FFF2-40B4-BE49-F238E27FC236}">
+                <a16:creationId xmlns:a16="http://schemas.microsoft.com/office/drawing/2014/main" id="{6E82EB7D-8D71-4CFF-A93D-A734763EFEF7}"/>
+              </a:ext>
+            </a:extLst>
+          </p:cNvPr>
+          <p:cNvSpPr txBox="1"/>
+          <p:nvPr/>
+        </p:nvSpPr>
+        <p:spPr>
+          <a:xfrm>
+            <a:off x="177553" y="200501"/>
+            <a:ext cx="11700769" cy="584700"/>
+          </a:xfrm>
+          <a:prstGeom prst="rect">
+            <a:avLst/>
+          </a:prstGeom>
+          <a:noFill/>
+          <a:ln>
+            <a:noFill/>
+          </a:ln>
+        </p:spPr>
+        <p:txBody>
+          <a:bodyPr lIns="91425" tIns="45700" rIns="91425" bIns="45700" anchor="t" anchorCtr="0">
+            <a:noAutofit/>
+          </a:bodyPr>
+          <a:lstStyle/>
+          <a:p>
+            <a:pPr>
+              <a:buSzPct val="25000"/>
+            </a:pPr>
+            <a:r>
+              <a:rPr lang="en-US" sz="4000" b="1" dirty="0">
+                <a:latin typeface="+mj-lt"/>
+                <a:ea typeface="Gill Sans MT"/>
+                <a:cs typeface="Gill Sans MT"/>
+                <a:sym typeface="Gill Sans MT"/>
+              </a:rPr>
+              <a:t>Your final project</a:t>
+            </a:r>
+            <a:endParaRPr lang="en-US" sz="3200" dirty="0">
+              <a:latin typeface="+mj-lt"/>
+              <a:ea typeface="Gill Sans MT"/>
+              <a:cs typeface="Gill Sans MT"/>
+              <a:sym typeface="Gill Sans MT"/>
+            </a:endParaRPr>
+          </a:p>
+        </p:txBody>
+      </p:sp>
+      <p:pic>
+        <p:nvPicPr>
+          <p:cNvPr id="4" name="Picture 3">
+            <a:extLst>
+              <a:ext uri="{FF2B5EF4-FFF2-40B4-BE49-F238E27FC236}">
+                <a16:creationId xmlns:a16="http://schemas.microsoft.com/office/drawing/2014/main" id="{0FFEBF40-8BA2-437B-B2D9-D31092D35F44}"/>
+              </a:ext>
+            </a:extLst>
+          </p:cNvPr>
+          <p:cNvPicPr>
+            <a:picLocks noChangeAspect="1"/>
+          </p:cNvPicPr>
+          <p:nvPr/>
+        </p:nvPicPr>
+        <p:blipFill>
+          <a:blip r:embed="rId3"/>
+          <a:stretch>
+            <a:fillRect/>
+          </a:stretch>
+        </p:blipFill>
+        <p:spPr>
+          <a:xfrm>
+            <a:off x="4839960" y="104003"/>
+            <a:ext cx="7087037" cy="6553495"/>
+          </a:xfrm>
+          <a:prstGeom prst="rect">
+            <a:avLst/>
+          </a:prstGeom>
+        </p:spPr>
+      </p:pic>
+    </p:spTree>
+    <p:extLst>
+      <p:ext uri="{BB962C8B-B14F-4D97-AF65-F5344CB8AC3E}">
+        <p14:creationId xmlns:p14="http://schemas.microsoft.com/office/powerpoint/2010/main" val="135311895"/>
+      </p:ext>
+    </p:extLst>
+  </p:cSld>
+  <p:clrMapOvr>
+    <a:masterClrMapping/>
+  </p:clrMapOvr>
+</p:sld>
+</file>
+
+<file path=ppt/slides/slide12.xml><?xml version="1.0" encoding="utf-8"?>
+<p:sld xmlns:a="http://schemas.openxmlformats.org/drawingml/2006/main" xmlns:r="http://schemas.openxmlformats.org/officeDocument/2006/relationships" xmlns:p="http://schemas.openxmlformats.org/presentationml/2006/main">
+  <p:cSld>
+    <p:spTree>
+      <p:nvGrpSpPr>
+        <p:cNvPr id="1" name="Shape 100"/>
+        <p:cNvGrpSpPr/>
+        <p:nvPr/>
+      </p:nvGrpSpPr>
+      <p:grpSpPr>
+        <a:xfrm>
+          <a:off x="0" y="0"/>
+          <a:ext cx="0" cy="0"/>
+          <a:chOff x="0" y="0"/>
+          <a:chExt cx="0" cy="0"/>
+        </a:xfrm>
+      </p:grpSpPr>
+      <p:sp>
+        <p:nvSpPr>
+          <p:cNvPr id="6" name="Shape 101">
+            <a:extLst>
+              <a:ext uri="{FF2B5EF4-FFF2-40B4-BE49-F238E27FC236}">
+                <a16:creationId xmlns:a16="http://schemas.microsoft.com/office/drawing/2014/main" id="{6E82EB7D-8D71-4CFF-A93D-A734763EFEF7}"/>
+              </a:ext>
+            </a:extLst>
+          </p:cNvPr>
+          <p:cNvSpPr txBox="1"/>
+          <p:nvPr/>
+        </p:nvSpPr>
+        <p:spPr>
+          <a:xfrm>
+            <a:off x="177553" y="200501"/>
+            <a:ext cx="11700769" cy="584700"/>
+          </a:xfrm>
+          <a:prstGeom prst="rect">
+            <a:avLst/>
+          </a:prstGeom>
+          <a:noFill/>
+          <a:ln>
+            <a:noFill/>
+          </a:ln>
+        </p:spPr>
+        <p:txBody>
+          <a:bodyPr lIns="91425" tIns="45700" rIns="91425" bIns="45700" anchor="t" anchorCtr="0">
+            <a:noAutofit/>
+          </a:bodyPr>
+          <a:lstStyle/>
+          <a:p>
+            <a:pPr>
+              <a:buSzPct val="25000"/>
+            </a:pPr>
+            <a:r>
+              <a:rPr lang="en-US" sz="4000" b="1" dirty="0">
+                <a:latin typeface="+mj-lt"/>
+                <a:ea typeface="Gill Sans MT"/>
+                <a:cs typeface="Gill Sans MT"/>
+                <a:sym typeface="Gill Sans MT"/>
+              </a:rPr>
+              <a:t>What questions could you ask?</a:t>
+            </a:r>
+            <a:endParaRPr lang="en-US" sz="3200" dirty="0">
+              <a:latin typeface="+mj-lt"/>
+              <a:ea typeface="Gill Sans MT"/>
+              <a:cs typeface="Gill Sans MT"/>
+              <a:sym typeface="Gill Sans MT"/>
+            </a:endParaRPr>
+          </a:p>
+        </p:txBody>
+      </p:sp>
+      <p:sp>
+        <p:nvSpPr>
+          <p:cNvPr id="5" name="TextBox 4">
+            <a:extLst>
+              <a:ext uri="{FF2B5EF4-FFF2-40B4-BE49-F238E27FC236}">
+                <a16:creationId xmlns:a16="http://schemas.microsoft.com/office/drawing/2014/main" id="{BD1B4994-8F39-4101-8326-59F81658EA01}"/>
+              </a:ext>
+            </a:extLst>
+          </p:cNvPr>
+          <p:cNvSpPr txBox="1"/>
+          <p:nvPr/>
+        </p:nvSpPr>
+        <p:spPr>
+          <a:xfrm>
+            <a:off x="597310" y="1045350"/>
+            <a:ext cx="6523212" cy="3539430"/>
+          </a:xfrm>
+          <a:prstGeom prst="rect">
+            <a:avLst/>
+          </a:prstGeom>
+          <a:noFill/>
+        </p:spPr>
+        <p:txBody>
+          <a:bodyPr wrap="square">
+            <a:spAutoFit/>
+          </a:bodyPr>
+          <a:lstStyle/>
+          <a:p>
+            <a:pPr marL="285750" indent="-285750">
+              <a:buFont typeface="Arial" panose="020B0604020202020204" pitchFamily="34" charset="0"/>
+              <a:buChar char="•"/>
+            </a:pPr>
+            <a:r>
+              <a:rPr lang="en-US" sz="2800" dirty="0"/>
+              <a:t>County-level census data</a:t>
+            </a:r>
+          </a:p>
+          <a:p>
+            <a:pPr marL="285750" indent="-285750">
+              <a:buFont typeface="Arial" panose="020B0604020202020204" pitchFamily="34" charset="0"/>
+              <a:buChar char="•"/>
+            </a:pPr>
+            <a:r>
+              <a:rPr lang="en-US" sz="2800" dirty="0"/>
+              <a:t>Yelp data for Charlotte</a:t>
+            </a:r>
+          </a:p>
+          <a:p>
+            <a:pPr marL="285750" indent="-285750">
+              <a:buFont typeface="Arial" panose="020B0604020202020204" pitchFamily="34" charset="0"/>
+              <a:buChar char="•"/>
+            </a:pPr>
+            <a:r>
+              <a:rPr lang="en-US" sz="2800" dirty="0" err="1"/>
+              <a:t>Daymet</a:t>
+            </a:r>
+            <a:r>
+              <a:rPr lang="en-US" sz="2800" dirty="0"/>
+              <a:t> climate data (county level)</a:t>
+            </a:r>
+          </a:p>
+          <a:p>
+            <a:pPr marL="285750" indent="-285750">
+              <a:buFont typeface="Arial" panose="020B0604020202020204" pitchFamily="34" charset="0"/>
+              <a:buChar char="•"/>
+            </a:pPr>
+            <a:r>
+              <a:rPr lang="en-US" sz="2800" dirty="0"/>
+              <a:t>Presidential election data (county level)</a:t>
+            </a:r>
+          </a:p>
+          <a:p>
+            <a:pPr marL="285750" indent="-285750">
+              <a:buFont typeface="Arial" panose="020B0604020202020204" pitchFamily="34" charset="0"/>
+              <a:buChar char="•"/>
+            </a:pPr>
+            <a:r>
+              <a:rPr lang="en-US" sz="2800" dirty="0"/>
+              <a:t>Current population survey data</a:t>
+            </a:r>
+          </a:p>
+          <a:p>
+            <a:pPr marL="285750" indent="-285750">
+              <a:buFont typeface="Arial" panose="020B0604020202020204" pitchFamily="34" charset="0"/>
+              <a:buChar char="•"/>
+            </a:pPr>
+            <a:r>
+              <a:rPr lang="en-US" sz="2800" dirty="0"/>
+              <a:t>Pollen data in the Midwest</a:t>
+            </a:r>
+          </a:p>
+          <a:p>
+            <a:pPr marL="285750" indent="-285750">
+              <a:buFont typeface="Arial" panose="020B0604020202020204" pitchFamily="34" charset="0"/>
+              <a:buChar char="•"/>
+            </a:pPr>
+            <a:r>
+              <a:rPr lang="en-US" sz="2800" dirty="0"/>
+              <a:t>Date of last spring frost in the Southeast</a:t>
+            </a:r>
+          </a:p>
+          <a:p>
+            <a:pPr marL="285750" indent="-285750">
+              <a:buFont typeface="Arial" panose="020B0604020202020204" pitchFamily="34" charset="0"/>
+              <a:buChar char="•"/>
+            </a:pPr>
+            <a:r>
+              <a:rPr lang="en-US" sz="2800" dirty="0"/>
+              <a:t>Tornado locations in the Southeast</a:t>
+            </a:r>
+          </a:p>
+        </p:txBody>
+      </p:sp>
+      <p:sp>
+        <p:nvSpPr>
+          <p:cNvPr id="7" name="TextBox 6">
+            <a:extLst>
+              <a:ext uri="{FF2B5EF4-FFF2-40B4-BE49-F238E27FC236}">
+                <a16:creationId xmlns:a16="http://schemas.microsoft.com/office/drawing/2014/main" id="{9CC6157E-0169-41E2-A5C0-4F833E2C7DFB}"/>
+              </a:ext>
+            </a:extLst>
+          </p:cNvPr>
+          <p:cNvSpPr txBox="1"/>
+          <p:nvPr/>
+        </p:nvSpPr>
+        <p:spPr>
+          <a:xfrm>
+            <a:off x="5470177" y="5113091"/>
+            <a:ext cx="6114680" cy="830997"/>
+          </a:xfrm>
+          <a:prstGeom prst="rect">
+            <a:avLst/>
+          </a:prstGeom>
+          <a:noFill/>
+        </p:spPr>
+        <p:txBody>
+          <a:bodyPr wrap="square">
+            <a:spAutoFit/>
+          </a:bodyPr>
+          <a:lstStyle/>
+          <a:p>
+            <a:r>
+              <a:rPr lang="en-US" sz="2400" dirty="0"/>
+              <a:t>Brainstorm at least </a:t>
+            </a:r>
+            <a:r>
+              <a:rPr lang="en-US" sz="2400" b="1" u="sng" dirty="0"/>
+              <a:t>FIVE</a:t>
+            </a:r>
+            <a:r>
+              <a:rPr lang="en-US" sz="2400" b="1" dirty="0"/>
+              <a:t> </a:t>
+            </a:r>
+            <a:r>
+              <a:rPr lang="en-US" sz="2400" dirty="0"/>
+              <a:t>potential research questions.</a:t>
+            </a:r>
+          </a:p>
+        </p:txBody>
+      </p:sp>
+    </p:spTree>
+    <p:extLst>
+      <p:ext uri="{BB962C8B-B14F-4D97-AF65-F5344CB8AC3E}">
+        <p14:creationId xmlns:p14="http://schemas.microsoft.com/office/powerpoint/2010/main" val="596115002"/>
+      </p:ext>
+    </p:extLst>
+  </p:cSld>
+  <p:clrMapOvr>
+    <a:masterClrMapping/>
+  </p:clrMapOvr>
+</p:sld>
+</file>
+
+<file path=ppt/slides/slide13.xml><?xml version="1.0" encoding="utf-8"?>
+<p:sld xmlns:a="http://schemas.openxmlformats.org/drawingml/2006/main" xmlns:r="http://schemas.openxmlformats.org/officeDocument/2006/relationships" xmlns:p="http://schemas.openxmlformats.org/presentationml/2006/main">
+  <p:cSld>
+    <p:spTree>
+      <p:nvGrpSpPr>
+        <p:cNvPr id="1" name="Shape 100"/>
+        <p:cNvGrpSpPr/>
+        <p:nvPr/>
+      </p:nvGrpSpPr>
+      <p:grpSpPr>
+        <a:xfrm>
+          <a:off x="0" y="0"/>
+          <a:ext cx="0" cy="0"/>
+          <a:chOff x="0" y="0"/>
+          <a:chExt cx="0" cy="0"/>
+        </a:xfrm>
+      </p:grpSpPr>
+      <p:sp>
+        <p:nvSpPr>
+          <p:cNvPr id="6" name="Shape 101">
+            <a:extLst>
+              <a:ext uri="{FF2B5EF4-FFF2-40B4-BE49-F238E27FC236}">
+                <a16:creationId xmlns:a16="http://schemas.microsoft.com/office/drawing/2014/main" id="{6E82EB7D-8D71-4CFF-A93D-A734763EFEF7}"/>
+              </a:ext>
+            </a:extLst>
+          </p:cNvPr>
+          <p:cNvSpPr txBox="1"/>
+          <p:nvPr/>
+        </p:nvSpPr>
+        <p:spPr>
+          <a:xfrm>
+            <a:off x="177553" y="200501"/>
+            <a:ext cx="11700769" cy="584700"/>
+          </a:xfrm>
+          <a:prstGeom prst="rect">
+            <a:avLst/>
+          </a:prstGeom>
+          <a:noFill/>
+          <a:ln>
+            <a:noFill/>
+          </a:ln>
+        </p:spPr>
+        <p:txBody>
+          <a:bodyPr lIns="91425" tIns="45700" rIns="91425" bIns="45700" anchor="t" anchorCtr="0">
+            <a:noAutofit/>
+          </a:bodyPr>
+          <a:lstStyle/>
+          <a:p>
+            <a:pPr>
+              <a:buSzPct val="25000"/>
+            </a:pPr>
+            <a:r>
+              <a:rPr lang="en-US" sz="4000" b="1" dirty="0">
+                <a:latin typeface="+mj-lt"/>
+                <a:ea typeface="Gill Sans MT"/>
+                <a:cs typeface="Gill Sans MT"/>
+                <a:sym typeface="Gill Sans MT"/>
+              </a:rPr>
+              <a:t>What questions could you ask?</a:t>
+            </a:r>
+            <a:endParaRPr lang="en-US" sz="3200" dirty="0">
+              <a:latin typeface="+mj-lt"/>
+              <a:ea typeface="Gill Sans MT"/>
+              <a:cs typeface="Gill Sans MT"/>
+              <a:sym typeface="Gill Sans MT"/>
+            </a:endParaRPr>
+          </a:p>
+        </p:txBody>
+      </p:sp>
+      <p:sp>
+        <p:nvSpPr>
+          <p:cNvPr id="5" name="TextBox 4">
+            <a:extLst>
+              <a:ext uri="{FF2B5EF4-FFF2-40B4-BE49-F238E27FC236}">
+                <a16:creationId xmlns:a16="http://schemas.microsoft.com/office/drawing/2014/main" id="{BD1B4994-8F39-4101-8326-59F81658EA01}"/>
+              </a:ext>
+            </a:extLst>
+          </p:cNvPr>
+          <p:cNvSpPr txBox="1"/>
+          <p:nvPr/>
+        </p:nvSpPr>
+        <p:spPr>
+          <a:xfrm>
+            <a:off x="597310" y="1045350"/>
+            <a:ext cx="6523212" cy="3539430"/>
+          </a:xfrm>
+          <a:prstGeom prst="rect">
+            <a:avLst/>
+          </a:prstGeom>
+          <a:noFill/>
+        </p:spPr>
+        <p:txBody>
+          <a:bodyPr wrap="square">
+            <a:spAutoFit/>
+          </a:bodyPr>
+          <a:lstStyle/>
+          <a:p>
+            <a:pPr marL="285750" indent="-285750">
+              <a:buFont typeface="Arial" panose="020B0604020202020204" pitchFamily="34" charset="0"/>
+              <a:buChar char="•"/>
+            </a:pPr>
+            <a:r>
+              <a:rPr lang="en-US" sz="2800" dirty="0"/>
+              <a:t>County-level census data</a:t>
+            </a:r>
+          </a:p>
+          <a:p>
+            <a:pPr marL="285750" indent="-285750">
+              <a:buFont typeface="Arial" panose="020B0604020202020204" pitchFamily="34" charset="0"/>
+              <a:buChar char="•"/>
+            </a:pPr>
+            <a:r>
+              <a:rPr lang="en-US" sz="2800" dirty="0"/>
+              <a:t>Yelp data for Charlotte</a:t>
+            </a:r>
+          </a:p>
+          <a:p>
+            <a:pPr marL="285750" indent="-285750">
+              <a:buFont typeface="Arial" panose="020B0604020202020204" pitchFamily="34" charset="0"/>
+              <a:buChar char="•"/>
+            </a:pPr>
+            <a:r>
+              <a:rPr lang="en-US" sz="2800" dirty="0" err="1"/>
+              <a:t>Daymet</a:t>
+            </a:r>
+            <a:r>
+              <a:rPr lang="en-US" sz="2800" dirty="0"/>
+              <a:t> climate data (county level)</a:t>
+            </a:r>
+          </a:p>
+          <a:p>
+            <a:pPr marL="285750" indent="-285750">
+              <a:buFont typeface="Arial" panose="020B0604020202020204" pitchFamily="34" charset="0"/>
+              <a:buChar char="•"/>
+            </a:pPr>
+            <a:r>
+              <a:rPr lang="en-US" sz="2800" dirty="0"/>
+              <a:t>Presidential election data (county level)</a:t>
+            </a:r>
+          </a:p>
+          <a:p>
+            <a:pPr marL="285750" indent="-285750">
+              <a:buFont typeface="Arial" panose="020B0604020202020204" pitchFamily="34" charset="0"/>
+              <a:buChar char="•"/>
+            </a:pPr>
+            <a:r>
+              <a:rPr lang="en-US" sz="2800" dirty="0"/>
+              <a:t>Current population survey data</a:t>
+            </a:r>
+          </a:p>
+          <a:p>
+            <a:pPr marL="285750" indent="-285750">
+              <a:buFont typeface="Arial" panose="020B0604020202020204" pitchFamily="34" charset="0"/>
+              <a:buChar char="•"/>
+            </a:pPr>
+            <a:r>
+              <a:rPr lang="en-US" sz="2800" dirty="0"/>
+              <a:t>Pollen data in the Midwest</a:t>
+            </a:r>
+          </a:p>
+          <a:p>
+            <a:pPr marL="285750" indent="-285750">
+              <a:buFont typeface="Arial" panose="020B0604020202020204" pitchFamily="34" charset="0"/>
+              <a:buChar char="•"/>
+            </a:pPr>
+            <a:r>
+              <a:rPr lang="en-US" sz="2800" dirty="0"/>
+              <a:t>Date of last spring frost in the Southeast</a:t>
+            </a:r>
+          </a:p>
+          <a:p>
+            <a:pPr marL="285750" indent="-285750">
+              <a:buFont typeface="Arial" panose="020B0604020202020204" pitchFamily="34" charset="0"/>
+              <a:buChar char="•"/>
+            </a:pPr>
+            <a:r>
+              <a:rPr lang="en-US" sz="2800" dirty="0"/>
+              <a:t>Tornado locations in the Southeast</a:t>
+            </a:r>
+          </a:p>
+        </p:txBody>
+      </p:sp>
+      <p:sp>
+        <p:nvSpPr>
+          <p:cNvPr id="7" name="TextBox 6">
+            <a:extLst>
+              <a:ext uri="{FF2B5EF4-FFF2-40B4-BE49-F238E27FC236}">
+                <a16:creationId xmlns:a16="http://schemas.microsoft.com/office/drawing/2014/main" id="{9CC6157E-0169-41E2-A5C0-4F833E2C7DFB}"/>
+              </a:ext>
+            </a:extLst>
+          </p:cNvPr>
+          <p:cNvSpPr txBox="1"/>
+          <p:nvPr/>
+        </p:nvSpPr>
+        <p:spPr>
+          <a:xfrm>
+            <a:off x="4377321" y="5113091"/>
+            <a:ext cx="7207536" cy="954107"/>
+          </a:xfrm>
+          <a:prstGeom prst="rect">
+            <a:avLst/>
+          </a:prstGeom>
+          <a:noFill/>
+        </p:spPr>
+        <p:txBody>
+          <a:bodyPr wrap="square">
+            <a:spAutoFit/>
+          </a:bodyPr>
+          <a:lstStyle/>
+          <a:p>
+            <a:r>
+              <a:rPr lang="en-US" sz="2800" dirty="0"/>
+              <a:t>Pick one question. What steps would you need to follow to answer that question?</a:t>
+            </a:r>
+          </a:p>
+        </p:txBody>
+      </p:sp>
+    </p:spTree>
+    <p:extLst>
+      <p:ext uri="{BB962C8B-B14F-4D97-AF65-F5344CB8AC3E}">
+        <p14:creationId xmlns:p14="http://schemas.microsoft.com/office/powerpoint/2010/main" val="919093811"/>
+      </p:ext>
+    </p:extLst>
+  </p:cSld>
+  <p:clrMapOvr>
+    <a:masterClrMapping/>
+  </p:clrMapOvr>
+</p:sld>
+</file>
+
+<file path=ppt/slides/slide14.xml><?xml version="1.0" encoding="utf-8"?>
+<p:sld xmlns:a="http://schemas.openxmlformats.org/drawingml/2006/main" xmlns:r="http://schemas.openxmlformats.org/officeDocument/2006/relationships" xmlns:p="http://schemas.openxmlformats.org/presentationml/2006/main">
+  <p:cSld>
+    <p:spTree>
+      <p:nvGrpSpPr>
+        <p:cNvPr id="1" name="Shape 100"/>
+        <p:cNvGrpSpPr/>
+        <p:nvPr/>
+      </p:nvGrpSpPr>
+      <p:grpSpPr>
+        <a:xfrm>
+          <a:off x="0" y="0"/>
+          <a:ext cx="0" cy="0"/>
+          <a:chOff x="0" y="0"/>
+          <a:chExt cx="0" cy="0"/>
+        </a:xfrm>
+      </p:grpSpPr>
+      <p:sp>
+        <p:nvSpPr>
+          <p:cNvPr id="6" name="Shape 101">
+            <a:extLst>
+              <a:ext uri="{FF2B5EF4-FFF2-40B4-BE49-F238E27FC236}">
+                <a16:creationId xmlns:a16="http://schemas.microsoft.com/office/drawing/2014/main" id="{6E82EB7D-8D71-4CFF-A93D-A734763EFEF7}"/>
+              </a:ext>
+            </a:extLst>
+          </p:cNvPr>
+          <p:cNvSpPr txBox="1"/>
+          <p:nvPr/>
+        </p:nvSpPr>
+        <p:spPr>
+          <a:xfrm>
+            <a:off x="177553" y="200501"/>
+            <a:ext cx="11700769" cy="584700"/>
+          </a:xfrm>
+          <a:prstGeom prst="rect">
+            <a:avLst/>
+          </a:prstGeom>
+          <a:noFill/>
+          <a:ln>
+            <a:noFill/>
+          </a:ln>
+        </p:spPr>
+        <p:txBody>
+          <a:bodyPr lIns="91425" tIns="45700" rIns="91425" bIns="45700" anchor="t" anchorCtr="0">
+            <a:noAutofit/>
+          </a:bodyPr>
+          <a:lstStyle/>
+          <a:p>
+            <a:pPr>
+              <a:buSzPct val="25000"/>
+            </a:pPr>
+            <a:r>
+              <a:rPr lang="en-US" sz="4000" b="1" dirty="0">
+                <a:latin typeface="+mj-lt"/>
+                <a:ea typeface="Gill Sans MT"/>
+                <a:cs typeface="Gill Sans MT"/>
+                <a:sym typeface="Gill Sans MT"/>
+              </a:rPr>
+              <a:t>For next Tuesday:</a:t>
+            </a:r>
+            <a:endParaRPr lang="en-US" sz="3200" dirty="0">
+              <a:latin typeface="+mj-lt"/>
+              <a:ea typeface="Gill Sans MT"/>
+              <a:cs typeface="Gill Sans MT"/>
+              <a:sym typeface="Gill Sans MT"/>
+            </a:endParaRPr>
+          </a:p>
+        </p:txBody>
+      </p:sp>
+      <p:sp>
+        <p:nvSpPr>
+          <p:cNvPr id="5" name="TextBox 4">
+            <a:extLst>
+              <a:ext uri="{FF2B5EF4-FFF2-40B4-BE49-F238E27FC236}">
+                <a16:creationId xmlns:a16="http://schemas.microsoft.com/office/drawing/2014/main" id="{BD1B4994-8F39-4101-8326-59F81658EA01}"/>
+              </a:ext>
+            </a:extLst>
+          </p:cNvPr>
+          <p:cNvSpPr txBox="1"/>
+          <p:nvPr/>
+        </p:nvSpPr>
+        <p:spPr>
+          <a:xfrm>
+            <a:off x="597310" y="1045350"/>
+            <a:ext cx="10941828" cy="954107"/>
+          </a:xfrm>
+          <a:prstGeom prst="rect">
+            <a:avLst/>
+          </a:prstGeom>
+          <a:noFill/>
+        </p:spPr>
+        <p:txBody>
+          <a:bodyPr wrap="square">
+            <a:spAutoFit/>
+          </a:bodyPr>
+          <a:lstStyle/>
+          <a:p>
+            <a:r>
+              <a:rPr lang="en-US" sz="2800" dirty="0"/>
+              <a:t>Write a “proposal” that covers the first three sections of the final project. Tag me on </a:t>
+            </a:r>
+            <a:r>
+              <a:rPr lang="en-US" sz="2800" dirty="0" err="1"/>
+              <a:t>Github</a:t>
+            </a:r>
+            <a:r>
+              <a:rPr lang="en-US" sz="2800" dirty="0"/>
+              <a:t> when posted I will respond with feedback.</a:t>
+            </a:r>
+          </a:p>
+        </p:txBody>
+      </p:sp>
+    </p:spTree>
+    <p:extLst>
+      <p:ext uri="{BB962C8B-B14F-4D97-AF65-F5344CB8AC3E}">
+        <p14:creationId xmlns:p14="http://schemas.microsoft.com/office/powerpoint/2010/main" val="4139496298"/>
+      </p:ext>
+    </p:extLst>
+  </p:cSld>
+  <p:clrMapOvr>
+    <a:masterClrMapping/>
+  </p:clrMapOvr>
+</p:sld>
+</file>
+
 <file path=ppt/slides/slide2.xml><?xml version="1.0" encoding="utf-8"?>
 <p:sld xmlns:a="http://schemas.openxmlformats.org/drawingml/2006/main" xmlns:r="http://schemas.openxmlformats.org/officeDocument/2006/relationships" xmlns:p="http://schemas.openxmlformats.org/presentationml/2006/main">
   <p:cSld>
@@ -9888,8 +11369,8 @@
         </p:nvSpPr>
         <p:spPr>
           <a:xfrm>
-            <a:off x="390617" y="1411550"/>
-            <a:ext cx="1988599" cy="4524315"/>
+            <a:off x="94391" y="1411550"/>
+            <a:ext cx="2524924" cy="4893647"/>
           </a:xfrm>
           <a:prstGeom prst="rect">
             <a:avLst/>
@@ -9901,6 +11382,15 @@
             <a:spAutoFit/>
           </a:bodyPr>
           <a:lstStyle/>
+          <a:p>
+            <a:r>
+              <a:rPr lang="en-US" sz="2400" b="1" dirty="0"/>
+              <a:t>Ed + ethnicity</a:t>
+            </a:r>
+          </a:p>
+          <a:p>
+            <a:endParaRPr lang="en-US" sz="2400" dirty="0"/>
+          </a:p>
           <a:p>
             <a:r>
               <a:rPr lang="en-US" sz="2400" dirty="0"/>
